--- a/Meetingsslide.pptx
+++ b/Meetingsslide.pptx
@@ -269,7 +269,7 @@
           <a:p>
             <a:fld id="{DABF0D2B-7066-4056-A4A0-8BB15EA2091B}" type="datetimeFigureOut">
               <a:rPr lang="de-DE" smtClean="0"/>
-              <a:t>07.01.2025</a:t>
+              <a:t>08.01.2025</a:t>
             </a:fld>
             <a:endParaRPr lang="de-DE"/>
           </a:p>
@@ -467,7 +467,7 @@
           <a:p>
             <a:fld id="{DABF0D2B-7066-4056-A4A0-8BB15EA2091B}" type="datetimeFigureOut">
               <a:rPr lang="de-DE" smtClean="0"/>
-              <a:t>07.01.2025</a:t>
+              <a:t>08.01.2025</a:t>
             </a:fld>
             <a:endParaRPr lang="de-DE"/>
           </a:p>
@@ -675,7 +675,7 @@
           <a:p>
             <a:fld id="{DABF0D2B-7066-4056-A4A0-8BB15EA2091B}" type="datetimeFigureOut">
               <a:rPr lang="de-DE" smtClean="0"/>
-              <a:t>07.01.2025</a:t>
+              <a:t>08.01.2025</a:t>
             </a:fld>
             <a:endParaRPr lang="de-DE"/>
           </a:p>
@@ -873,7 +873,7 @@
           <a:p>
             <a:fld id="{DABF0D2B-7066-4056-A4A0-8BB15EA2091B}" type="datetimeFigureOut">
               <a:rPr lang="de-DE" smtClean="0"/>
-              <a:t>07.01.2025</a:t>
+              <a:t>08.01.2025</a:t>
             </a:fld>
             <a:endParaRPr lang="de-DE"/>
           </a:p>
@@ -1148,7 +1148,7 @@
           <a:p>
             <a:fld id="{DABF0D2B-7066-4056-A4A0-8BB15EA2091B}" type="datetimeFigureOut">
               <a:rPr lang="de-DE" smtClean="0"/>
-              <a:t>07.01.2025</a:t>
+              <a:t>08.01.2025</a:t>
             </a:fld>
             <a:endParaRPr lang="de-DE"/>
           </a:p>
@@ -1413,7 +1413,7 @@
           <a:p>
             <a:fld id="{DABF0D2B-7066-4056-A4A0-8BB15EA2091B}" type="datetimeFigureOut">
               <a:rPr lang="de-DE" smtClean="0"/>
-              <a:t>07.01.2025</a:t>
+              <a:t>08.01.2025</a:t>
             </a:fld>
             <a:endParaRPr lang="de-DE"/>
           </a:p>
@@ -1825,7 +1825,7 @@
           <a:p>
             <a:fld id="{DABF0D2B-7066-4056-A4A0-8BB15EA2091B}" type="datetimeFigureOut">
               <a:rPr lang="de-DE" smtClean="0"/>
-              <a:t>07.01.2025</a:t>
+              <a:t>08.01.2025</a:t>
             </a:fld>
             <a:endParaRPr lang="de-DE"/>
           </a:p>
@@ -1966,7 +1966,7 @@
           <a:p>
             <a:fld id="{DABF0D2B-7066-4056-A4A0-8BB15EA2091B}" type="datetimeFigureOut">
               <a:rPr lang="de-DE" smtClean="0"/>
-              <a:t>07.01.2025</a:t>
+              <a:t>08.01.2025</a:t>
             </a:fld>
             <a:endParaRPr lang="de-DE"/>
           </a:p>
@@ -2079,7 +2079,7 @@
           <a:p>
             <a:fld id="{DABF0D2B-7066-4056-A4A0-8BB15EA2091B}" type="datetimeFigureOut">
               <a:rPr lang="de-DE" smtClean="0"/>
-              <a:t>07.01.2025</a:t>
+              <a:t>08.01.2025</a:t>
             </a:fld>
             <a:endParaRPr lang="de-DE"/>
           </a:p>
@@ -2390,7 +2390,7 @@
           <a:p>
             <a:fld id="{DABF0D2B-7066-4056-A4A0-8BB15EA2091B}" type="datetimeFigureOut">
               <a:rPr lang="de-DE" smtClean="0"/>
-              <a:t>07.01.2025</a:t>
+              <a:t>08.01.2025</a:t>
             </a:fld>
             <a:endParaRPr lang="de-DE"/>
           </a:p>
@@ -2678,7 +2678,7 @@
           <a:p>
             <a:fld id="{DABF0D2B-7066-4056-A4A0-8BB15EA2091B}" type="datetimeFigureOut">
               <a:rPr lang="de-DE" smtClean="0"/>
-              <a:t>07.01.2025</a:t>
+              <a:t>08.01.2025</a:t>
             </a:fld>
             <a:endParaRPr lang="de-DE"/>
           </a:p>
@@ -2919,7 +2919,7 @@
           <a:p>
             <a:fld id="{DABF0D2B-7066-4056-A4A0-8BB15EA2091B}" type="datetimeFigureOut">
               <a:rPr lang="de-DE" smtClean="0"/>
-              <a:t>07.01.2025</a:t>
+              <a:t>08.01.2025</a:t>
             </a:fld>
             <a:endParaRPr lang="de-DE"/>
           </a:p>
@@ -3366,7 +3366,14 @@
           <a:p>
             <a:r>
               <a:rPr lang="de-DE" sz="4800" dirty="0"/>
-              <a:t>Methode zur Analyse einer Audiodatei</a:t>
+              <a:t>Methode zur Analyse von </a:t>
+            </a:r>
+            <a:br>
+              <a:rPr lang="de-DE" sz="4800" dirty="0"/>
+            </a:br>
+            <a:r>
+              <a:rPr lang="de-DE" sz="4800" dirty="0"/>
+              <a:t>Live-Aufnahmen</a:t>
             </a:r>
           </a:p>
         </p:txBody>
@@ -3395,7 +3402,7 @@
         </p:spPr>
         <p:txBody>
           <a:bodyPr vert="horz" lIns="91440" tIns="45720" rIns="91440" bIns="45720" rtlCol="0" anchor="t">
-            <a:normAutofit fontScale="92500" lnSpcReduction="10000"/>
+            <a:normAutofit fontScale="85000" lnSpcReduction="20000"/>
           </a:bodyPr>
           <a:lstStyle/>
           <a:p>
@@ -3405,15 +3412,7 @@
             </a:pPr>
             <a:r>
               <a:rPr lang="de-DE" dirty="0"/>
-              <a:t>Audiodatei wird in beliebige sekündliche </a:t>
-            </a:r>
-            <a:r>
-              <a:rPr lang="de-DE" dirty="0" err="1"/>
-              <a:t>Segmentegröße</a:t>
-            </a:r>
-            <a:r>
-              <a:rPr lang="de-DE" dirty="0"/>
-              <a:t> unterteilt (Glättung)</a:t>
+              <a:t>Glättungsfunktion aus den Audiodateien in die live Analyse übernommen</a:t>
             </a:r>
           </a:p>
           <a:p>
@@ -3423,8 +3422,13 @@
             </a:pPr>
             <a:r>
               <a:rPr lang="de-DE" dirty="0"/>
-              <a:t>Sprecheranalyse pro Segment</a:t>
-            </a:r>
+              <a:t>Variable Segment- und </a:t>
+            </a:r>
+            <a:r>
+              <a:rPr lang="de-DE" dirty="0" err="1"/>
+              <a:t>Windowlänge</a:t>
+            </a:r>
+            <a:endParaRPr lang="de-DE" dirty="0"/>
           </a:p>
           <a:p>
             <a:pPr marL="342900" indent="-342900" algn="l">
@@ -3433,7 +3437,7 @@
             </a:pPr>
             <a:r>
               <a:rPr lang="de-DE" dirty="0"/>
-              <a:t>Speichern in einem Buffer</a:t>
+              <a:t>Sprecheranalyse pro Segment</a:t>
             </a:r>
           </a:p>
           <a:p>
@@ -3443,7 +3447,7 @@
             </a:pPr>
             <a:r>
               <a:rPr lang="de-DE" dirty="0"/>
-              <a:t>„Bestätigung“ erst nach 2x gleicher Sprecher in aufeinanderfolgenden Segmenten</a:t>
+              <a:t>Speichern in einem Buffer</a:t>
             </a:r>
           </a:p>
           <a:p>
@@ -3453,8 +3457,40 @@
             </a:pPr>
             <a:r>
               <a:rPr lang="de-DE" dirty="0"/>
-              <a:t>Ausgabe der Sprecher mit den Start und End Zeiten der Segmente</a:t>
-            </a:r>
+              <a:t>Glättung des Buffers in dem vorgegebenem </a:t>
+            </a:r>
+            <a:r>
+              <a:rPr lang="de-DE" dirty="0" err="1"/>
+              <a:t>Window</a:t>
+            </a:r>
+            <a:endParaRPr lang="de-DE" dirty="0"/>
+          </a:p>
+          <a:p>
+            <a:pPr marL="342900" indent="-342900" algn="l">
+              <a:buFontTx/>
+              <a:buChar char="-"/>
+            </a:pPr>
+            <a:r>
+              <a:rPr lang="de-DE" dirty="0"/>
+              <a:t>Ausgabe der Sprecher mit den jeweiligen Zeiten</a:t>
+            </a:r>
+          </a:p>
+          <a:p>
+            <a:pPr marL="342900" indent="-342900" algn="l">
+              <a:buFontTx/>
+              <a:buChar char="-"/>
+            </a:pPr>
+            <a:r>
+              <a:rPr lang="de-DE" dirty="0"/>
+              <a:t>Delay um eine variable Länge</a:t>
+            </a:r>
+          </a:p>
+          <a:p>
+            <a:pPr marL="342900" indent="-342900" algn="l">
+              <a:buFontTx/>
+              <a:buChar char="-"/>
+            </a:pPr>
+            <a:endParaRPr lang="de-DE" dirty="0"/>
           </a:p>
         </p:txBody>
       </p:sp>
@@ -3509,66 +3545,43 @@
           <a:bodyPr/>
           <a:lstStyle/>
           <a:p>
-            <a:r>
-              <a:rPr lang="de-DE"/>
-              <a:t>          CNN</a:t>
+            <a:pPr algn="ctr"/>
+            <a:r>
+              <a:rPr lang="de-DE" dirty="0"/>
+              <a:t>CNN</a:t>
             </a:r>
             <a:br>
               <a:rPr lang="de-DE" dirty="0"/>
             </a:br>
             <a:r>
-              <a:rPr lang="de-DE"/>
-              <a:t>Werteres Vorgehen</a:t>
-            </a:r>
-          </a:p>
-        </p:txBody>
-      </p:sp>
-      <p:pic>
-        <p:nvPicPr>
-          <p:cNvPr id="10" name="Inhaltsplatzhalter 9">
-            <a:extLst>
-              <a:ext uri="{FF2B5EF4-FFF2-40B4-BE49-F238E27FC236}">
-                <a16:creationId xmlns:a16="http://schemas.microsoft.com/office/drawing/2014/main" id="{087733BB-D016-E72B-722A-3F3031C512F9}"/>
-              </a:ext>
-            </a:extLst>
-          </p:cNvPr>
-          <p:cNvPicPr>
-            <a:picLocks noGrp="1" noChangeAspect="1"/>
-          </p:cNvPicPr>
-          <p:nvPr>
-            <p:ph idx="1"/>
-          </p:nvPr>
-        </p:nvPicPr>
-        <p:blipFill>
-          <a:blip r:embed="rId2"/>
-          <a:stretch>
-            <a:fillRect/>
-          </a:stretch>
-        </p:blipFill>
+              <a:rPr lang="de-DE" dirty="0"/>
+              <a:t>ist</a:t>
+            </a:r>
+          </a:p>
+        </p:txBody>
+      </p:sp>
+      <p:sp>
+        <p:nvSpPr>
+          <p:cNvPr id="8" name="Textplatzhalter 7">
+            <a:extLst>
+              <a:ext uri="{FF2B5EF4-FFF2-40B4-BE49-F238E27FC236}">
+                <a16:creationId xmlns:a16="http://schemas.microsoft.com/office/drawing/2014/main" id="{3429C638-EC76-F99B-3312-996E06E09EC8}"/>
+              </a:ext>
+            </a:extLst>
+          </p:cNvPr>
+          <p:cNvSpPr>
+            <a:spLocks noGrp="1"/>
+          </p:cNvSpPr>
+          <p:nvPr>
+            <p:ph type="body" sz="half" idx="2"/>
+          </p:nvPr>
+        </p:nvSpPr>
         <p:spPr>
           <a:xfrm>
-            <a:off x="5183188" y="1874429"/>
-            <a:ext cx="6172200" cy="3099616"/>
+            <a:off x="839788" y="2564920"/>
+            <a:ext cx="3932237" cy="3304067"/>
           </a:xfrm>
         </p:spPr>
-      </p:pic>
-      <p:sp>
-        <p:nvSpPr>
-          <p:cNvPr id="8" name="Textplatzhalter 7">
-            <a:extLst>
-              <a:ext uri="{FF2B5EF4-FFF2-40B4-BE49-F238E27FC236}">
-                <a16:creationId xmlns:a16="http://schemas.microsoft.com/office/drawing/2014/main" id="{3429C638-EC76-F99B-3312-996E06E09EC8}"/>
-              </a:ext>
-            </a:extLst>
-          </p:cNvPr>
-          <p:cNvSpPr>
-            <a:spLocks noGrp="1"/>
-          </p:cNvSpPr>
-          <p:nvPr>
-            <p:ph type="body" sz="half" idx="2"/>
-          </p:nvPr>
-        </p:nvSpPr>
-        <p:spPr/>
         <p:txBody>
           <a:bodyPr/>
           <a:lstStyle/>
@@ -3579,8 +3592,13 @@
             </a:pPr>
             <a:r>
               <a:rPr lang="de-DE" dirty="0"/>
-              <a:t>Testdaten erweitern</a:t>
-            </a:r>
+              <a:t>Verschiedene Ansätze mit variabel vielen Filtern, Segmentgrößen, </a:t>
+            </a:r>
+            <a:r>
+              <a:rPr lang="de-DE" dirty="0" err="1"/>
+              <a:t>Windowgrößen</a:t>
+            </a:r>
+            <a:endParaRPr lang="de-DE" dirty="0"/>
           </a:p>
           <a:p>
             <a:pPr marL="285750" indent="-285750">
@@ -3589,9 +3607,264 @@
             </a:pPr>
             <a:r>
               <a:rPr lang="de-DE" dirty="0"/>
-              <a:t>Modell weiter optimieren (weniger Fehler)</a:t>
-            </a:r>
-          </a:p>
+              <a:t>Vergleich der Ansätze</a:t>
+            </a:r>
+          </a:p>
+        </p:txBody>
+      </p:sp>
+      <p:sp>
+        <p:nvSpPr>
+          <p:cNvPr id="11" name="Titel 5">
+            <a:extLst>
+              <a:ext uri="{FF2B5EF4-FFF2-40B4-BE49-F238E27FC236}">
+                <a16:creationId xmlns:a16="http://schemas.microsoft.com/office/drawing/2014/main" id="{ADC7DE6E-123D-67B1-70AF-DAEEFF51F045}"/>
+              </a:ext>
+            </a:extLst>
+          </p:cNvPr>
+          <p:cNvSpPr txBox="1">
+            <a:spLocks/>
+          </p:cNvSpPr>
+          <p:nvPr/>
+        </p:nvSpPr>
+        <p:spPr>
+          <a:xfrm>
+            <a:off x="7419975" y="457200"/>
+            <a:ext cx="3932237" cy="1600200"/>
+          </a:xfrm>
+          <a:prstGeom prst="rect">
+            <a:avLst/>
+          </a:prstGeom>
+        </p:spPr>
+        <p:txBody>
+          <a:bodyPr vert="horz" lIns="91440" tIns="45720" rIns="91440" bIns="45720" rtlCol="0" anchor="b">
+            <a:normAutofit/>
+          </a:bodyPr>
+          <a:lstStyle>
+            <a:lvl1pPr algn="l" defTabSz="914400" rtl="0" eaLnBrk="1" latinLnBrk="0" hangingPunct="1">
+              <a:lnSpc>
+                <a:spcPct val="90000"/>
+              </a:lnSpc>
+              <a:spcBef>
+                <a:spcPct val="0"/>
+              </a:spcBef>
+              <a:buNone/>
+              <a:defRPr sz="3200" kern="1200">
+                <a:solidFill>
+                  <a:schemeClr val="tx1"/>
+                </a:solidFill>
+                <a:latin typeface="+mj-lt"/>
+                <a:ea typeface="+mj-ea"/>
+                <a:cs typeface="+mj-cs"/>
+              </a:defRPr>
+            </a:lvl1pPr>
+          </a:lstStyle>
+          <a:p>
+            <a:pPr algn="ctr"/>
+            <a:r>
+              <a:rPr lang="de-DE" dirty="0"/>
+              <a:t>CNN</a:t>
+            </a:r>
+            <a:br>
+              <a:rPr lang="de-DE" dirty="0"/>
+            </a:br>
+            <a:r>
+              <a:rPr lang="de-DE" dirty="0"/>
+              <a:t>soll</a:t>
+            </a:r>
+          </a:p>
+        </p:txBody>
+      </p:sp>
+      <p:sp>
+        <p:nvSpPr>
+          <p:cNvPr id="13" name="Textplatzhalter 7">
+            <a:extLst>
+              <a:ext uri="{FF2B5EF4-FFF2-40B4-BE49-F238E27FC236}">
+                <a16:creationId xmlns:a16="http://schemas.microsoft.com/office/drawing/2014/main" id="{220EFCAD-E7FF-6965-222D-028F2F7A9924}"/>
+              </a:ext>
+            </a:extLst>
+          </p:cNvPr>
+          <p:cNvSpPr txBox="1">
+            <a:spLocks/>
+          </p:cNvSpPr>
+          <p:nvPr/>
+        </p:nvSpPr>
+        <p:spPr>
+          <a:xfrm>
+            <a:off x="7419974" y="2564919"/>
+            <a:ext cx="3932237" cy="3304067"/>
+          </a:xfrm>
+          <a:prstGeom prst="rect">
+            <a:avLst/>
+          </a:prstGeom>
+        </p:spPr>
+        <p:txBody>
+          <a:bodyPr vert="horz" lIns="91440" tIns="45720" rIns="91440" bIns="45720" rtlCol="0">
+            <a:normAutofit/>
+          </a:bodyPr>
+          <a:lstStyle>
+            <a:lvl1pPr marL="0" indent="0" algn="l" defTabSz="914400" rtl="0" eaLnBrk="1" latinLnBrk="0" hangingPunct="1">
+              <a:lnSpc>
+                <a:spcPct val="90000"/>
+              </a:lnSpc>
+              <a:spcBef>
+                <a:spcPts val="1000"/>
+              </a:spcBef>
+              <a:buFont typeface="Arial" panose="020B0604020202020204" pitchFamily="34" charset="0"/>
+              <a:buNone/>
+              <a:defRPr sz="1600" kern="1200">
+                <a:solidFill>
+                  <a:schemeClr val="tx1"/>
+                </a:solidFill>
+                <a:latin typeface="+mn-lt"/>
+                <a:ea typeface="+mn-ea"/>
+                <a:cs typeface="+mn-cs"/>
+              </a:defRPr>
+            </a:lvl1pPr>
+            <a:lvl2pPr marL="457200" indent="0" algn="l" defTabSz="914400" rtl="0" eaLnBrk="1" latinLnBrk="0" hangingPunct="1">
+              <a:lnSpc>
+                <a:spcPct val="90000"/>
+              </a:lnSpc>
+              <a:spcBef>
+                <a:spcPts val="500"/>
+              </a:spcBef>
+              <a:buFont typeface="Arial" panose="020B0604020202020204" pitchFamily="34" charset="0"/>
+              <a:buNone/>
+              <a:defRPr sz="1400" kern="1200">
+                <a:solidFill>
+                  <a:schemeClr val="tx1"/>
+                </a:solidFill>
+                <a:latin typeface="+mn-lt"/>
+                <a:ea typeface="+mn-ea"/>
+                <a:cs typeface="+mn-cs"/>
+              </a:defRPr>
+            </a:lvl2pPr>
+            <a:lvl3pPr marL="914400" indent="0" algn="l" defTabSz="914400" rtl="0" eaLnBrk="1" latinLnBrk="0" hangingPunct="1">
+              <a:lnSpc>
+                <a:spcPct val="90000"/>
+              </a:lnSpc>
+              <a:spcBef>
+                <a:spcPts val="500"/>
+              </a:spcBef>
+              <a:buFont typeface="Arial" panose="020B0604020202020204" pitchFamily="34" charset="0"/>
+              <a:buNone/>
+              <a:defRPr sz="1200" kern="1200">
+                <a:solidFill>
+                  <a:schemeClr val="tx1"/>
+                </a:solidFill>
+                <a:latin typeface="+mn-lt"/>
+                <a:ea typeface="+mn-ea"/>
+                <a:cs typeface="+mn-cs"/>
+              </a:defRPr>
+            </a:lvl3pPr>
+            <a:lvl4pPr marL="1371600" indent="0" algn="l" defTabSz="914400" rtl="0" eaLnBrk="1" latinLnBrk="0" hangingPunct="1">
+              <a:lnSpc>
+                <a:spcPct val="90000"/>
+              </a:lnSpc>
+              <a:spcBef>
+                <a:spcPts val="500"/>
+              </a:spcBef>
+              <a:buFont typeface="Arial" panose="020B0604020202020204" pitchFamily="34" charset="0"/>
+              <a:buNone/>
+              <a:defRPr sz="1000" kern="1200">
+                <a:solidFill>
+                  <a:schemeClr val="tx1"/>
+                </a:solidFill>
+                <a:latin typeface="+mn-lt"/>
+                <a:ea typeface="+mn-ea"/>
+                <a:cs typeface="+mn-cs"/>
+              </a:defRPr>
+            </a:lvl4pPr>
+            <a:lvl5pPr marL="1828800" indent="0" algn="l" defTabSz="914400" rtl="0" eaLnBrk="1" latinLnBrk="0" hangingPunct="1">
+              <a:lnSpc>
+                <a:spcPct val="90000"/>
+              </a:lnSpc>
+              <a:spcBef>
+                <a:spcPts val="500"/>
+              </a:spcBef>
+              <a:buFont typeface="Arial" panose="020B0604020202020204" pitchFamily="34" charset="0"/>
+              <a:buNone/>
+              <a:defRPr sz="1000" kern="1200">
+                <a:solidFill>
+                  <a:schemeClr val="tx1"/>
+                </a:solidFill>
+                <a:latin typeface="+mn-lt"/>
+                <a:ea typeface="+mn-ea"/>
+                <a:cs typeface="+mn-cs"/>
+              </a:defRPr>
+            </a:lvl5pPr>
+            <a:lvl6pPr marL="2286000" indent="0" algn="l" defTabSz="914400" rtl="0" eaLnBrk="1" latinLnBrk="0" hangingPunct="1">
+              <a:lnSpc>
+                <a:spcPct val="90000"/>
+              </a:lnSpc>
+              <a:spcBef>
+                <a:spcPts val="500"/>
+              </a:spcBef>
+              <a:buFont typeface="Arial" panose="020B0604020202020204" pitchFamily="34" charset="0"/>
+              <a:buNone/>
+              <a:defRPr sz="1000" kern="1200">
+                <a:solidFill>
+                  <a:schemeClr val="tx1"/>
+                </a:solidFill>
+                <a:latin typeface="+mn-lt"/>
+                <a:ea typeface="+mn-ea"/>
+                <a:cs typeface="+mn-cs"/>
+              </a:defRPr>
+            </a:lvl6pPr>
+            <a:lvl7pPr marL="2743200" indent="0" algn="l" defTabSz="914400" rtl="0" eaLnBrk="1" latinLnBrk="0" hangingPunct="1">
+              <a:lnSpc>
+                <a:spcPct val="90000"/>
+              </a:lnSpc>
+              <a:spcBef>
+                <a:spcPts val="500"/>
+              </a:spcBef>
+              <a:buFont typeface="Arial" panose="020B0604020202020204" pitchFamily="34" charset="0"/>
+              <a:buNone/>
+              <a:defRPr sz="1000" kern="1200">
+                <a:solidFill>
+                  <a:schemeClr val="tx1"/>
+                </a:solidFill>
+                <a:latin typeface="+mn-lt"/>
+                <a:ea typeface="+mn-ea"/>
+                <a:cs typeface="+mn-cs"/>
+              </a:defRPr>
+            </a:lvl7pPr>
+            <a:lvl8pPr marL="3200400" indent="0" algn="l" defTabSz="914400" rtl="0" eaLnBrk="1" latinLnBrk="0" hangingPunct="1">
+              <a:lnSpc>
+                <a:spcPct val="90000"/>
+              </a:lnSpc>
+              <a:spcBef>
+                <a:spcPts val="500"/>
+              </a:spcBef>
+              <a:buFont typeface="Arial" panose="020B0604020202020204" pitchFamily="34" charset="0"/>
+              <a:buNone/>
+              <a:defRPr sz="1000" kern="1200">
+                <a:solidFill>
+                  <a:schemeClr val="tx1"/>
+                </a:solidFill>
+                <a:latin typeface="+mn-lt"/>
+                <a:ea typeface="+mn-ea"/>
+                <a:cs typeface="+mn-cs"/>
+              </a:defRPr>
+            </a:lvl8pPr>
+            <a:lvl9pPr marL="3657600" indent="0" algn="l" defTabSz="914400" rtl="0" eaLnBrk="1" latinLnBrk="0" hangingPunct="1">
+              <a:lnSpc>
+                <a:spcPct val="90000"/>
+              </a:lnSpc>
+              <a:spcBef>
+                <a:spcPts val="500"/>
+              </a:spcBef>
+              <a:buFont typeface="Arial" panose="020B0604020202020204" pitchFamily="34" charset="0"/>
+              <a:buNone/>
+              <a:defRPr sz="1000" kern="1200">
+                <a:solidFill>
+                  <a:schemeClr val="tx1"/>
+                </a:solidFill>
+                <a:latin typeface="+mn-lt"/>
+                <a:ea typeface="+mn-ea"/>
+                <a:cs typeface="+mn-cs"/>
+              </a:defRPr>
+            </a:lvl9pPr>
+          </a:lstStyle>
           <a:p>
             <a:pPr marL="285750" indent="-285750">
               <a:buFontTx/>
@@ -3599,7 +3872,27 @@
             </a:pPr>
             <a:r>
               <a:rPr lang="de-DE" dirty="0"/>
-              <a:t>Weitere Anpassungen um einzelne Fehler auszugleichen (womöglich 3 Segmente nacheinander)</a:t>
+              <a:t>Testdaten erweitern</a:t>
+            </a:r>
+          </a:p>
+          <a:p>
+            <a:pPr marL="285750" indent="-285750">
+              <a:buFontTx/>
+              <a:buChar char="-"/>
+            </a:pPr>
+            <a:r>
+              <a:rPr lang="de-DE" dirty="0"/>
+              <a:t>Modell weiter optimieren</a:t>
+            </a:r>
+          </a:p>
+          <a:p>
+            <a:pPr marL="285750" indent="-285750">
+              <a:buFontTx/>
+              <a:buChar char="-"/>
+            </a:pPr>
+            <a:r>
+              <a:rPr lang="de-DE" dirty="0"/>
+              <a:t>Vergleiche grafisch aufbereiten</a:t>
             </a:r>
           </a:p>
         </p:txBody>

--- a/Meetingsslide.pptx
+++ b/Meetingsslide.pptx
@@ -3366,14 +3366,7 @@
           <a:p>
             <a:r>
               <a:rPr lang="de-DE" sz="4800" dirty="0"/>
-              <a:t>Methode zur Analyse von </a:t>
-            </a:r>
-            <a:br>
-              <a:rPr lang="de-DE" sz="4800" dirty="0"/>
-            </a:br>
-            <a:r>
-              <a:rPr lang="de-DE" sz="4800" dirty="0"/>
-              <a:t>Live-Aufnahmen</a:t>
+              <a:t>Neuerungen</a:t>
             </a:r>
           </a:p>
         </p:txBody>
@@ -3397,12 +3390,12 @@
         <p:spPr>
           <a:xfrm>
             <a:off x="1524000" y="2714444"/>
-            <a:ext cx="9144000" cy="2543355"/>
+            <a:ext cx="9144000" cy="3347050"/>
           </a:xfrm>
         </p:spPr>
         <p:txBody>
           <a:bodyPr vert="horz" lIns="91440" tIns="45720" rIns="91440" bIns="45720" rtlCol="0" anchor="t">
-            <a:normAutofit fontScale="85000" lnSpcReduction="20000"/>
+            <a:normAutofit fontScale="92500" lnSpcReduction="10000"/>
           </a:bodyPr>
           <a:lstStyle/>
           <a:p>
@@ -3416,29 +3409,81 @@
             </a:r>
           </a:p>
           <a:p>
+            <a:pPr marL="800100" lvl="1" indent="-342900" algn="l">
+              <a:buFontTx/>
+              <a:buChar char="-"/>
+            </a:pPr>
+            <a:r>
+              <a:rPr lang="de-DE" dirty="0"/>
+              <a:t>Variable Segment- und </a:t>
+            </a:r>
+            <a:r>
+              <a:rPr lang="de-DE" dirty="0" err="1"/>
+              <a:t>Windowlänge</a:t>
+            </a:r>
+            <a:endParaRPr lang="de-DE" dirty="0"/>
+          </a:p>
+          <a:p>
+            <a:pPr marL="800100" lvl="1" indent="-342900" algn="l">
+              <a:buFontTx/>
+              <a:buChar char="-"/>
+            </a:pPr>
+            <a:r>
+              <a:rPr lang="de-DE" dirty="0"/>
+              <a:t>Sprecheranalyse pro Segment</a:t>
+            </a:r>
+          </a:p>
+          <a:p>
+            <a:pPr marL="800100" lvl="1" indent="-342900" algn="l">
+              <a:buFontTx/>
+              <a:buChar char="-"/>
+            </a:pPr>
+            <a:r>
+              <a:rPr lang="de-DE" dirty="0"/>
+              <a:t>Speichern in einem Buffer</a:t>
+            </a:r>
+          </a:p>
+          <a:p>
+            <a:pPr marL="800100" lvl="1" indent="-342900" algn="l">
+              <a:buFontTx/>
+              <a:buChar char="-"/>
+            </a:pPr>
+            <a:r>
+              <a:rPr lang="de-DE" dirty="0"/>
+              <a:t>Glättung des Buffers in dem vorgegebenem </a:t>
+            </a:r>
+            <a:r>
+              <a:rPr lang="de-DE" dirty="0" err="1"/>
+              <a:t>Window</a:t>
+            </a:r>
+            <a:endParaRPr lang="de-DE" dirty="0"/>
+          </a:p>
+          <a:p>
+            <a:pPr marL="800100" lvl="1" indent="-342900" algn="l">
+              <a:buFontTx/>
+              <a:buChar char="-"/>
+            </a:pPr>
+            <a:r>
+              <a:rPr lang="de-DE" dirty="0"/>
+              <a:t>Ausgabe der Sprecher mit den jeweiligen Zeiten</a:t>
+            </a:r>
+          </a:p>
+          <a:p>
             <a:pPr marL="342900" indent="-342900" algn="l">
               <a:buFontTx/>
               <a:buChar char="-"/>
             </a:pPr>
             <a:r>
               <a:rPr lang="de-DE" dirty="0"/>
-              <a:t>Variable Segment- und </a:t>
-            </a:r>
-            <a:r>
-              <a:rPr lang="de-DE" dirty="0" err="1"/>
-              <a:t>Windowlänge</a:t>
-            </a:r>
-            <a:endParaRPr lang="de-DE" dirty="0"/>
+              <a:t>Delay um eine variable Länge</a:t>
+            </a:r>
           </a:p>
           <a:p>
             <a:pPr marL="342900" indent="-342900" algn="l">
               <a:buFontTx/>
               <a:buChar char="-"/>
             </a:pPr>
-            <a:r>
-              <a:rPr lang="de-DE" dirty="0"/>
-              <a:t>Sprecheranalyse pro Segment</a:t>
-            </a:r>
+            <a:endParaRPr lang="de-DE" dirty="0"/>
           </a:p>
           <a:p>
             <a:pPr marL="342900" indent="-342900" algn="l">
@@ -3447,42 +3492,7 @@
             </a:pPr>
             <a:r>
               <a:rPr lang="de-DE" dirty="0"/>
-              <a:t>Speichern in einem Buffer</a:t>
-            </a:r>
-          </a:p>
-          <a:p>
-            <a:pPr marL="342900" indent="-342900" algn="l">
-              <a:buFontTx/>
-              <a:buChar char="-"/>
-            </a:pPr>
-            <a:r>
-              <a:rPr lang="de-DE" dirty="0"/>
-              <a:t>Glättung des Buffers in dem vorgegebenem </a:t>
-            </a:r>
-            <a:r>
-              <a:rPr lang="de-DE" dirty="0" err="1"/>
-              <a:t>Window</a:t>
-            </a:r>
-            <a:endParaRPr lang="de-DE" dirty="0"/>
-          </a:p>
-          <a:p>
-            <a:pPr marL="342900" indent="-342900" algn="l">
-              <a:buFontTx/>
-              <a:buChar char="-"/>
-            </a:pPr>
-            <a:r>
-              <a:rPr lang="de-DE" dirty="0"/>
-              <a:t>Ausgabe der Sprecher mit den jeweiligen Zeiten</a:t>
-            </a:r>
-          </a:p>
-          <a:p>
-            <a:pPr marL="342900" indent="-342900" algn="l">
-              <a:buFontTx/>
-              <a:buChar char="-"/>
-            </a:pPr>
-            <a:r>
-              <a:rPr lang="de-DE" dirty="0"/>
-              <a:t>Delay um eine variable Länge</a:t>
+              <a:t>Protokoll als Ausgabe</a:t>
             </a:r>
           </a:p>
           <a:p>
